--- a/Ch02_CreateTable_InsertSelect.pptx
+++ b/Ch02_CreateTable_InsertSelect.pptx
@@ -4774,10 +4774,10 @@
       </p:grpSpPr>
       <p:pic>
         <p:nvPicPr>
-          <p:cNvPr id="15" name="Picture 14">
+          <p:cNvPr id="7" name="Picture 6">
             <a:extLst>
               <a:ext uri="{FF2B5EF4-FFF2-40B4-BE49-F238E27FC236}">
-                <a16:creationId xmlns:a16="http://schemas.microsoft.com/office/drawing/2014/main" id="{82894CAB-4CCA-4036-A26C-C1EE15711B36}"/>
+                <a16:creationId xmlns:a16="http://schemas.microsoft.com/office/drawing/2014/main" id="{F22B8140-0FBE-4A1C-8D02-9FD4445821B6}"/>
               </a:ext>
             </a:extLst>
           </p:cNvPr>
@@ -4794,8 +4794,8 @@
         </p:blipFill>
         <p:spPr>
           <a:xfrm>
-            <a:off x="3275856" y="2708920"/>
-            <a:ext cx="5394585" cy="3384376"/>
+            <a:off x="3293848" y="2938836"/>
+            <a:ext cx="5456642" cy="3502629"/>
           </a:xfrm>
           <a:prstGeom prst="rect">
             <a:avLst/>
@@ -5109,7 +5109,7 @@
         </p:nvSpPr>
         <p:spPr>
           <a:xfrm>
-            <a:off x="3707904" y="3908079"/>
+            <a:off x="3707904" y="4112776"/>
             <a:ext cx="3384376" cy="457025"/>
           </a:xfrm>
           <a:prstGeom prst="rect">
@@ -5166,7 +5166,7 @@
         <p:spPr>
           <a:xfrm>
             <a:off x="2998391" y="4136592"/>
-            <a:ext cx="709513" cy="0"/>
+            <a:ext cx="709513" cy="204697"/>
           </a:xfrm>
           <a:prstGeom prst="straightConnector1">
             <a:avLst/>
@@ -5450,8 +5450,8 @@
         </p:nvSpPr>
         <p:spPr>
           <a:xfrm>
-            <a:off x="3635896" y="5864783"/>
-            <a:ext cx="3384376" cy="228513"/>
+            <a:off x="3353147" y="5636519"/>
+            <a:ext cx="3384376" cy="828762"/>
           </a:xfrm>
           <a:prstGeom prst="rect">
             <a:avLst/>
@@ -5507,7 +5507,7 @@
         <p:spPr>
           <a:xfrm>
             <a:off x="1727796" y="4946238"/>
-            <a:ext cx="1908100" cy="1032802"/>
+            <a:ext cx="1625351" cy="1104662"/>
           </a:xfrm>
           <a:prstGeom prst="straightConnector1">
             <a:avLst/>
@@ -5566,10 +5566,10 @@
       </p:grpSpPr>
       <p:pic>
         <p:nvPicPr>
-          <p:cNvPr id="7" name="Picture 6">
+          <p:cNvPr id="12" name="Picture 11">
             <a:extLst>
               <a:ext uri="{FF2B5EF4-FFF2-40B4-BE49-F238E27FC236}">
-                <a16:creationId xmlns:a16="http://schemas.microsoft.com/office/drawing/2014/main" id="{DA7744CC-E15E-426E-86AA-DBD3A621F710}"/>
+                <a16:creationId xmlns:a16="http://schemas.microsoft.com/office/drawing/2014/main" id="{0B32E374-D221-42C5-A2C4-050724113BA1}"/>
               </a:ext>
             </a:extLst>
           </p:cNvPr>
@@ -5586,8 +5586,8 @@
         </p:blipFill>
         <p:spPr>
           <a:xfrm>
-            <a:off x="2987824" y="2142207"/>
-            <a:ext cx="4887863" cy="3450721"/>
+            <a:off x="2624180" y="2086611"/>
+            <a:ext cx="5456642" cy="3502629"/>
           </a:xfrm>
           <a:prstGeom prst="rect">
             <a:avLst/>
@@ -5855,7 +5855,7 @@
         </p:nvSpPr>
         <p:spPr>
           <a:xfrm>
-            <a:off x="3491880" y="3362095"/>
+            <a:off x="3168824" y="3202822"/>
             <a:ext cx="3384376" cy="1035922"/>
           </a:xfrm>
           <a:prstGeom prst="rect">
@@ -5907,7 +5907,7 @@
         </p:nvSpPr>
         <p:spPr>
           <a:xfrm>
-            <a:off x="2987824" y="4682650"/>
+            <a:off x="2590800" y="4795169"/>
             <a:ext cx="1296144" cy="794071"/>
           </a:xfrm>
           <a:prstGeom prst="rect">
@@ -5964,7 +5964,7 @@
         <p:spPr>
           <a:xfrm>
             <a:off x="4577172" y="1628800"/>
-            <a:ext cx="606896" cy="1733295"/>
+            <a:ext cx="283840" cy="1574022"/>
           </a:xfrm>
           <a:prstGeom prst="straightConnector1">
             <a:avLst/>
@@ -6009,8 +6009,8 @@
         </p:nvCxnSpPr>
         <p:spPr>
           <a:xfrm flipH="1">
-            <a:off x="3635896" y="1628800"/>
-            <a:ext cx="941276" cy="3053850"/>
+            <a:off x="3238872" y="1628800"/>
+            <a:ext cx="1338300" cy="3166369"/>
           </a:xfrm>
           <a:prstGeom prst="straightConnector1">
             <a:avLst/>
